--- a/ProjectPlan/팀원들 공유용/하트비트 추가 기획서_설정.pptx
+++ b/ProjectPlan/팀원들 공유용/하트비트 추가 기획서_설정.pptx
@@ -214,7 +214,7 @@
           <a:p>
             <a:fld id="{AA97DD2A-9847-4170-B1E0-513D7522DD52}" type="datetimeFigureOut">
               <a:rPr lang="ko-KR" altLang="en-US" smtClean="0"/>
-              <a:t>2022-06-11</a:t>
+              <a:t>2022-06-22</a:t>
             </a:fld>
             <a:endParaRPr lang="ko-KR" altLang="en-US"/>
           </a:p>
@@ -2088,7 +2088,7 @@
           <a:effectLst/>
           <a:extLst>
             <a:ext uri="{91240B29-F687-4f45-9708-019B960494DF}">
-              <a14:hiddenLine xmlns="" xmlns:a14="http://schemas.microsoft.com/office/drawing/2010/main" w="9525">
+              <a14:hiddenLine xmlns:a14="http://schemas.microsoft.com/office/drawing/2010/main" xmlns="" w="9525">
                 <a:solidFill>
                   <a:srgbClr val="000000"/>
                 </a:solidFill>
@@ -2280,7 +2280,7 @@
           <a:p>
             <a:fld id="{7B86B758-F168-47F7-9C46-F8198D2D7B43}" type="datetimeFigureOut">
               <a:rPr lang="ko-KR" altLang="en-US" smtClean="0"/>
-              <a:t>2022-06-11</a:t>
+              <a:t>2022-06-22</a:t>
             </a:fld>
             <a:endParaRPr lang="ko-KR" altLang="en-US"/>
           </a:p>
@@ -2598,7 +2598,7 @@
           <a:p>
             <a:fld id="{7B86B758-F168-47F7-9C46-F8198D2D7B43}" type="datetimeFigureOut">
               <a:rPr lang="ko-KR" altLang="en-US" smtClean="0"/>
-              <a:t>2022-06-11</a:t>
+              <a:t>2022-06-22</a:t>
             </a:fld>
             <a:endParaRPr lang="ko-KR" altLang="en-US"/>
           </a:p>
@@ -3086,7 +3086,7 @@
           <a:p>
             <a:fld id="{7B86B758-F168-47F7-9C46-F8198D2D7B43}" type="datetimeFigureOut">
               <a:rPr lang="ko-KR" altLang="en-US" smtClean="0"/>
-              <a:t>2022-06-11</a:t>
+              <a:t>2022-06-22</a:t>
             </a:fld>
             <a:endParaRPr lang="ko-KR" altLang="en-US"/>
           </a:p>
@@ -3455,7 +3455,7 @@
           <a:p>
             <a:fld id="{7B86B758-F168-47F7-9C46-F8198D2D7B43}" type="datetimeFigureOut">
               <a:rPr lang="ko-KR" altLang="en-US" smtClean="0"/>
-              <a:t>2022-06-11</a:t>
+              <a:t>2022-06-22</a:t>
             </a:fld>
             <a:endParaRPr lang="ko-KR" altLang="en-US"/>
           </a:p>
@@ -3610,7 +3610,7 @@
           <a:ln/>
           <a:extLst>
             <a:ext uri="{91240B29-F687-4f45-9708-019B960494DF}">
-              <a14:hiddenLine xmlns="" xmlns:a14="http://schemas.microsoft.com/office/drawing/2010/main" w="9525">
+              <a14:hiddenLine xmlns:a14="http://schemas.microsoft.com/office/drawing/2010/main" xmlns="" w="9525">
                 <a:solidFill>
                   <a:srgbClr val="000000"/>
                 </a:solidFill>
@@ -3728,7 +3728,7 @@
           <a:p>
             <a:fld id="{7B86B758-F168-47F7-9C46-F8198D2D7B43}" type="datetimeFigureOut">
               <a:rPr lang="ko-KR" altLang="en-US" smtClean="0"/>
-              <a:t>2022-06-11</a:t>
+              <a:t>2022-06-22</a:t>
             </a:fld>
             <a:endParaRPr lang="ko-KR" altLang="en-US"/>
           </a:p>
@@ -3885,7 +3885,7 @@
           <a:ln/>
           <a:extLst>
             <a:ext uri="{91240B29-F687-4f45-9708-019B960494DF}">
-              <a14:hiddenLine xmlns="" xmlns:a14="http://schemas.microsoft.com/office/drawing/2010/main" w="9525">
+              <a14:hiddenLine xmlns:a14="http://schemas.microsoft.com/office/drawing/2010/main" xmlns="" w="9525">
                 <a:solidFill>
                   <a:srgbClr val="000000"/>
                 </a:solidFill>
@@ -4013,7 +4013,7 @@
           <a:p>
             <a:fld id="{7B86B758-F168-47F7-9C46-F8198D2D7B43}" type="datetimeFigureOut">
               <a:rPr lang="ko-KR" altLang="en-US" smtClean="0"/>
-              <a:t>2022-06-11</a:t>
+              <a:t>2022-06-22</a:t>
             </a:fld>
             <a:endParaRPr lang="ko-KR" altLang="en-US"/>
           </a:p>
@@ -4168,7 +4168,7 @@
           <a:ln/>
           <a:extLst>
             <a:ext uri="{91240B29-F687-4f45-9708-019B960494DF}">
-              <a14:hiddenLine xmlns="" xmlns:a14="http://schemas.microsoft.com/office/drawing/2010/main" w="9525">
+              <a14:hiddenLine xmlns:a14="http://schemas.microsoft.com/office/drawing/2010/main" xmlns="" w="9525">
                 <a:solidFill>
                   <a:srgbClr val="000000"/>
                 </a:solidFill>
@@ -4296,7 +4296,7 @@
           <a:p>
             <a:fld id="{7B86B758-F168-47F7-9C46-F8198D2D7B43}" type="datetimeFigureOut">
               <a:rPr lang="ko-KR" altLang="en-US" smtClean="0"/>
-              <a:t>2022-06-11</a:t>
+              <a:t>2022-06-22</a:t>
             </a:fld>
             <a:endParaRPr lang="ko-KR" altLang="en-US"/>
           </a:p>
@@ -4639,7 +4639,7 @@
           <a:p>
             <a:fld id="{7B86B758-F168-47F7-9C46-F8198D2D7B43}" type="datetimeFigureOut">
               <a:rPr lang="ko-KR" altLang="en-US" smtClean="0"/>
-              <a:t>2022-06-11</a:t>
+              <a:t>2022-06-22</a:t>
             </a:fld>
             <a:endParaRPr lang="ko-KR" altLang="en-US"/>
           </a:p>
@@ -4794,7 +4794,7 @@
           <a:ln/>
           <a:extLst>
             <a:ext uri="{91240B29-F687-4f45-9708-019B960494DF}">
-              <a14:hiddenLine xmlns="" xmlns:a14="http://schemas.microsoft.com/office/drawing/2010/main" w="9525">
+              <a14:hiddenLine xmlns:a14="http://schemas.microsoft.com/office/drawing/2010/main" xmlns="" w="9525">
                 <a:solidFill>
                   <a:srgbClr val="000000"/>
                 </a:solidFill>
@@ -4978,7 +4978,7 @@
           <a:p>
             <a:fld id="{7B86B758-F168-47F7-9C46-F8198D2D7B43}" type="datetimeFigureOut">
               <a:rPr lang="ko-KR" altLang="en-US" smtClean="0"/>
-              <a:t>2022-06-11</a:t>
+              <a:t>2022-06-22</a:t>
             </a:fld>
             <a:endParaRPr lang="ko-KR" altLang="en-US"/>
           </a:p>
@@ -5133,7 +5133,7 @@
           <a:ln/>
           <a:extLst>
             <a:ext uri="{91240B29-F687-4f45-9708-019B960494DF}">
-              <a14:hiddenLine xmlns="" xmlns:a14="http://schemas.microsoft.com/office/drawing/2010/main" w="9525">
+              <a14:hiddenLine xmlns:a14="http://schemas.microsoft.com/office/drawing/2010/main" xmlns="" w="9525">
                 <a:solidFill>
                   <a:srgbClr val="000000"/>
                 </a:solidFill>
@@ -5455,7 +5455,7 @@
           <a:p>
             <a:fld id="{7B86B758-F168-47F7-9C46-F8198D2D7B43}" type="datetimeFigureOut">
               <a:rPr lang="ko-KR" altLang="en-US" smtClean="0"/>
-              <a:t>2022-06-11</a:t>
+              <a:t>2022-06-22</a:t>
             </a:fld>
             <a:endParaRPr lang="ko-KR" altLang="en-US"/>
           </a:p>
@@ -5610,7 +5610,7 @@
           <a:ln/>
           <a:extLst>
             <a:ext uri="{91240B29-F687-4f45-9708-019B960494DF}">
-              <a14:hiddenLine xmlns="" xmlns:a14="http://schemas.microsoft.com/office/drawing/2010/main" w="9525">
+              <a14:hiddenLine xmlns:a14="http://schemas.microsoft.com/office/drawing/2010/main" xmlns="" w="9525">
                 <a:solidFill>
                   <a:srgbClr val="000000"/>
                 </a:solidFill>
@@ -5676,7 +5676,7 @@
           <a:p>
             <a:fld id="{7B86B758-F168-47F7-9C46-F8198D2D7B43}" type="datetimeFigureOut">
               <a:rPr lang="ko-KR" altLang="en-US" smtClean="0"/>
-              <a:t>2022-06-11</a:t>
+              <a:t>2022-06-22</a:t>
             </a:fld>
             <a:endParaRPr lang="ko-KR" altLang="en-US"/>
           </a:p>
@@ -5771,7 +5771,7 @@
           <a:p>
             <a:fld id="{7B86B758-F168-47F7-9C46-F8198D2D7B43}" type="datetimeFigureOut">
               <a:rPr lang="ko-KR" altLang="en-US" smtClean="0"/>
-              <a:t>2022-06-11</a:t>
+              <a:t>2022-06-22</a:t>
             </a:fld>
             <a:endParaRPr lang="ko-KR" altLang="en-US"/>
           </a:p>
@@ -6039,7 +6039,7 @@
           <a:ln/>
           <a:extLst>
             <a:ext uri="{91240B29-F687-4f45-9708-019B960494DF}">
-              <a14:hiddenLine xmlns="" xmlns:a14="http://schemas.microsoft.com/office/drawing/2010/main" w="9525">
+              <a14:hiddenLine xmlns:a14="http://schemas.microsoft.com/office/drawing/2010/main" xmlns="" w="9525">
                 <a:solidFill>
                   <a:srgbClr val="000000"/>
                 </a:solidFill>
@@ -6238,7 +6238,7 @@
           <a:p>
             <a:fld id="{7B86B758-F168-47F7-9C46-F8198D2D7B43}" type="datetimeFigureOut">
               <a:rPr lang="ko-KR" altLang="en-US" smtClean="0"/>
-              <a:t>2022-06-11</a:t>
+              <a:t>2022-06-22</a:t>
             </a:fld>
             <a:endParaRPr lang="ko-KR" altLang="en-US"/>
           </a:p>
@@ -6551,7 +6551,7 @@
           <a:p>
             <a:fld id="{7B86B758-F168-47F7-9C46-F8198D2D7B43}" type="datetimeFigureOut">
               <a:rPr lang="ko-KR" altLang="en-US" smtClean="0"/>
-              <a:t>2022-06-11</a:t>
+              <a:t>2022-06-22</a:t>
             </a:fld>
             <a:endParaRPr lang="ko-KR" altLang="en-US"/>
           </a:p>
@@ -6842,7 +6842,7 @@
           <a:p>
             <a:fld id="{7B86B758-F168-47F7-9C46-F8198D2D7B43}" type="datetimeFigureOut">
               <a:rPr lang="ko-KR" altLang="en-US" smtClean="0"/>
-              <a:t>2022-06-11</a:t>
+              <a:t>2022-06-22</a:t>
             </a:fld>
             <a:endParaRPr lang="ko-KR" altLang="en-US"/>
           </a:p>
@@ -12810,7 +12810,7 @@
           <p:nvPr>
             <p:extLst>
               <p:ext uri="{D42A27DB-BD31-4B8C-83A1-F6EECF244321}">
-                <p14:modId xmlns:p14="http://schemas.microsoft.com/office/powerpoint/2010/main" val="3639842594"/>
+                <p14:modId xmlns:p14="http://schemas.microsoft.com/office/powerpoint/2010/main" val="3719657347"/>
               </p:ext>
             </p:extLst>
           </p:nvPr>
@@ -13030,7 +13030,7 @@
                       <a:pPr algn="ctr" latinLnBrk="1"/>
                       <a:r>
                         <a:rPr lang="en-US" altLang="ko-KR" sz="3200" b="1" dirty="0"/>
-                        <a:t>6</a:t>
+                        <a:t>4</a:t>
                       </a:r>
                       <a:r>
                         <a:rPr lang="ko-KR" altLang="en-US" sz="3200" b="1" dirty="0"/>
@@ -13256,7 +13256,7 @@
                       <a:pPr algn="ctr" latinLnBrk="1"/>
                       <a:r>
                         <a:rPr lang="en-US" altLang="ko-KR" sz="1400" dirty="0"/>
-                        <a:t>5</a:t>
+                        <a:t>11</a:t>
                       </a:r>
                       <a:r>
                         <a:rPr lang="ko-KR" altLang="en-US" sz="1400" dirty="0"/>
@@ -13275,12 +13275,8 @@
                     <a:p>
                       <a:pPr algn="ctr" latinLnBrk="1"/>
                       <a:r>
-                        <a:rPr lang="en-US" altLang="ko-KR" sz="1400" dirty="0"/>
-                        <a:t>5</a:t>
-                      </a:r>
-                      <a:r>
                         <a:rPr lang="ko-KR" altLang="en-US" sz="1400" dirty="0"/>
-                        <a:t>로 증가</a:t>
+                        <a:t>최대로 증가</a:t>
                       </a:r>
                       <a:endParaRPr lang="en-US" altLang="ko-KR" sz="1400" dirty="0"/>
                     </a:p>
@@ -14452,7 +14448,7 @@
           <p:nvPr>
             <p:extLst>
               <p:ext uri="{D42A27DB-BD31-4B8C-83A1-F6EECF244321}">
-                <p14:modId xmlns:p14="http://schemas.microsoft.com/office/powerpoint/2010/main" val="2602381167"/>
+                <p14:modId xmlns:p14="http://schemas.microsoft.com/office/powerpoint/2010/main" val="305491012"/>
               </p:ext>
             </p:extLst>
           </p:nvPr>
@@ -14667,7 +14663,7 @@
                       <a:pPr algn="ctr" latinLnBrk="1"/>
                       <a:r>
                         <a:rPr lang="en-US" altLang="ko-KR" sz="3200" b="1" dirty="0"/>
-                        <a:t>2</a:t>
+                        <a:t>1</a:t>
                       </a:r>
                       <a:endParaRPr lang="ko-KR" altLang="en-US" sz="3200" b="1" dirty="0"/>
                     </a:p>
@@ -14778,7 +14774,7 @@
                       <a:pPr algn="ctr" latinLnBrk="1"/>
                       <a:r>
                         <a:rPr lang="en-US" altLang="ko-KR" sz="3200" b="1" dirty="0"/>
-                        <a:t>5</a:t>
+                        <a:t>3</a:t>
                       </a:r>
                       <a:endParaRPr lang="ko-KR" altLang="en-US" sz="3200" b="1" dirty="0"/>
                     </a:p>
